--- a/IETF-107-ANIMA IPv6 over Link-Local Discovery Protocol.pptx
+++ b/IETF-107-ANIMA IPv6 over Link-Local Discovery Protocol.pptx
@@ -205,7 +205,7 @@
           <a:p>
             <a:fld id="{02D7C47C-D520-44C8-8D56-7C13CC77CAB8}" type="datetime1">
               <a:rPr lang="zh-CN" altLang="en-US" smtClean="0"/>
-              <a:t>2020/4/3</a:t>
+              <a:t>2020/4/6</a:t>
             </a:fld>
             <a:endParaRPr lang="zh-CN" altLang="en-US"/>
           </a:p>
@@ -375,7 +375,7 @@
           <a:p>
             <a:fld id="{8D539E3D-EABC-4A15-AAC1-C09BFCB9F9ED}" type="datetime1">
               <a:rPr lang="zh-CN" altLang="en-US" smtClean="0"/>
-              <a:t>2020/4/3</a:t>
+              <a:t>2020/4/6</a:t>
             </a:fld>
             <a:endParaRPr lang="zh-CN" altLang="en-US"/>
           </a:p>
@@ -736,7 +736,7 @@
           <a:p>
             <a:fld id="{0620C734-21BB-44F5-BC6A-221F07C77A20}" type="datetime1">
               <a:rPr lang="zh-CN" altLang="en-US" smtClean="0"/>
-              <a:t>2020/4/3</a:t>
+              <a:t>2020/4/6</a:t>
             </a:fld>
             <a:endParaRPr lang="zh-CN" altLang="en-US"/>
           </a:p>
@@ -866,7 +866,7 @@
           <a:p>
             <a:fld id="{0620C734-21BB-44F5-BC6A-221F07C77A20}" type="datetime1">
               <a:rPr lang="zh-CN" altLang="en-US" smtClean="0"/>
-              <a:t>2020/4/3</a:t>
+              <a:t>2020/4/6</a:t>
             </a:fld>
             <a:endParaRPr lang="zh-CN" altLang="en-US"/>
           </a:p>
@@ -996,7 +996,7 @@
           <a:p>
             <a:fld id="{0620C734-21BB-44F5-BC6A-221F07C77A20}" type="datetime1">
               <a:rPr lang="zh-CN" altLang="en-US" smtClean="0"/>
-              <a:t>2020/4/3</a:t>
+              <a:t>2020/4/6</a:t>
             </a:fld>
             <a:endParaRPr lang="zh-CN" altLang="en-US"/>
           </a:p>
@@ -1083,6 +1083,28 @@
           <a:lstStyle/>
           <a:p>
             <a:r>
+              <a:rPr lang="en-US" altLang="zh-CN" sz="1200" b="0" i="0" kern="1200" dirty="0" smtClean="0">
+                <a:solidFill>
+                  <a:schemeClr val="tx1"/>
+                </a:solidFill>
+                <a:effectLst/>
+                <a:latin typeface="+mn-lt"/>
+                <a:ea typeface="+mn-ea"/>
+                <a:cs typeface="+mn-cs"/>
+              </a:rPr>
+              <a:t>bootstrap interlocking problem</a:t>
+            </a:r>
+            <a:r>
+              <a:rPr lang="en-US" altLang="zh-CN" dirty="0" smtClean="0"/>
+              <a:t> </a:t>
+            </a:r>
+            <a:br>
+              <a:rPr lang="en-US" altLang="zh-CN" dirty="0" smtClean="0"/>
+            </a:br>
+            <a:endParaRPr lang="en-US" altLang="zh-CN" dirty="0" smtClean="0"/>
+          </a:p>
+          <a:p>
+            <a:r>
               <a:rPr lang="en-US" altLang="zh-CN" dirty="0" smtClean="0"/>
               <a:t/>
             </a:r>
@@ -1133,7 +1155,7 @@
           <a:p>
             <a:fld id="{0620C734-21BB-44F5-BC6A-221F07C77A20}" type="datetime1">
               <a:rPr lang="zh-CN" altLang="en-US" smtClean="0"/>
-              <a:t>2020/4/3</a:t>
+              <a:t>2020/4/6</a:t>
             </a:fld>
             <a:endParaRPr lang="zh-CN" altLang="en-US"/>
           </a:p>
@@ -1306,7 +1328,7 @@
           <a:p>
             <a:fld id="{6891A982-5D74-43EF-A12D-EFEE11025C93}" type="datetime1">
               <a:rPr lang="zh-CN" altLang="en-US" smtClean="0"/>
-              <a:t>2020/4/3</a:t>
+              <a:t>2020/4/6</a:t>
             </a:fld>
             <a:endParaRPr lang="zh-CN" altLang="en-US"/>
           </a:p>
@@ -1480,7 +1502,7 @@
           <a:p>
             <a:fld id="{01A5C4A9-A2EE-41F7-92BD-70535637D5BE}" type="datetime1">
               <a:rPr lang="zh-CN" altLang="en-US" smtClean="0"/>
-              <a:t>2020/4/3</a:t>
+              <a:t>2020/4/6</a:t>
             </a:fld>
             <a:endParaRPr lang="zh-CN" altLang="en-US"/>
           </a:p>
@@ -1664,7 +1686,7 @@
           <a:p>
             <a:fld id="{8D28FA4F-7406-41C5-A4D1-F5FE722D8D33}" type="datetime1">
               <a:rPr lang="zh-CN" altLang="en-US" smtClean="0"/>
-              <a:t>2020/4/3</a:t>
+              <a:t>2020/4/6</a:t>
             </a:fld>
             <a:endParaRPr lang="zh-CN" altLang="en-US"/>
           </a:p>
@@ -1838,7 +1860,7 @@
           <a:p>
             <a:fld id="{CDC8EB6D-03B3-434E-9674-FFC5AAEA7429}" type="datetime1">
               <a:rPr lang="zh-CN" altLang="en-US" smtClean="0"/>
-              <a:t>2020/4/3</a:t>
+              <a:t>2020/4/6</a:t>
             </a:fld>
             <a:endParaRPr lang="zh-CN" altLang="en-US"/>
           </a:p>
@@ -2088,7 +2110,7 @@
           <a:p>
             <a:fld id="{12E59CA6-29E7-4BB4-90A9-B748523BB98E}" type="datetime1">
               <a:rPr lang="zh-CN" altLang="en-US" smtClean="0"/>
-              <a:t>2020/4/3</a:t>
+              <a:t>2020/4/6</a:t>
             </a:fld>
             <a:endParaRPr lang="zh-CN" altLang="en-US"/>
           </a:p>
@@ -2324,7 +2346,7 @@
           <a:p>
             <a:fld id="{07DC7910-F0F8-4E08-96FD-282DE64AAEF0}" type="datetime1">
               <a:rPr lang="zh-CN" altLang="en-US" smtClean="0"/>
-              <a:t>2020/4/3</a:t>
+              <a:t>2020/4/6</a:t>
             </a:fld>
             <a:endParaRPr lang="zh-CN" altLang="en-US"/>
           </a:p>
@@ -2695,7 +2717,7 @@
           <a:p>
             <a:fld id="{CFB22E2A-896C-4B91-9076-470541B90F00}" type="datetime1">
               <a:rPr lang="zh-CN" altLang="en-US" smtClean="0"/>
-              <a:t>2020/4/3</a:t>
+              <a:t>2020/4/6</a:t>
             </a:fld>
             <a:endParaRPr lang="zh-CN" altLang="en-US"/>
           </a:p>
@@ -2817,7 +2839,7 @@
           <a:p>
             <a:fld id="{51291ED0-0FC5-449A-B0FF-DF8B62C7C8BA}" type="datetime1">
               <a:rPr lang="zh-CN" altLang="en-US" smtClean="0"/>
-              <a:t>2020/4/3</a:t>
+              <a:t>2020/4/6</a:t>
             </a:fld>
             <a:endParaRPr lang="zh-CN" altLang="en-US"/>
           </a:p>
@@ -2916,7 +2938,7 @@
           <a:p>
             <a:fld id="{200D60D4-61C5-42A5-B731-71F24E76B923}" type="datetime1">
               <a:rPr lang="zh-CN" altLang="en-US" smtClean="0"/>
-              <a:t>2020/4/3</a:t>
+              <a:t>2020/4/6</a:t>
             </a:fld>
             <a:endParaRPr lang="zh-CN" altLang="en-US"/>
           </a:p>
@@ -3197,7 +3219,7 @@
           <a:p>
             <a:fld id="{39C2700A-69DE-4D10-B176-ACEEE740F9DE}" type="datetime1">
               <a:rPr lang="zh-CN" altLang="en-US" smtClean="0"/>
-              <a:t>2020/4/3</a:t>
+              <a:t>2020/4/6</a:t>
             </a:fld>
             <a:endParaRPr lang="zh-CN" altLang="en-US"/>
           </a:p>
@@ -3454,7 +3476,7 @@
           <a:p>
             <a:fld id="{30563908-C004-4500-8C20-A9156C044D7A}" type="datetime1">
               <a:rPr lang="zh-CN" altLang="en-US" smtClean="0"/>
-              <a:t>2020/4/3</a:t>
+              <a:t>2020/4/6</a:t>
             </a:fld>
             <a:endParaRPr lang="zh-CN" altLang="en-US"/>
           </a:p>
@@ -3671,7 +3693,7 @@
           <a:p>
             <a:fld id="{D70646DE-B25C-45FA-824F-87B99EEF289F}" type="datetime1">
               <a:rPr lang="zh-CN" altLang="en-US" smtClean="0"/>
-              <a:t>2020/4/3</a:t>
+              <a:t>2020/4/6</a:t>
             </a:fld>
             <a:endParaRPr lang="zh-CN" altLang="en-US"/>
           </a:p>
@@ -4364,7 +4386,7 @@
         <p:spPr>
           <a:xfrm>
             <a:off x="330740" y="369647"/>
-            <a:ext cx="11459183" cy="769441"/>
+            <a:ext cx="11459183" cy="646331"/>
           </a:xfrm>
           <a:prstGeom prst="rect">
             <a:avLst/>
@@ -4378,10 +4400,10 @@
           <a:lstStyle/>
           <a:p>
             <a:r>
-              <a:rPr lang="en-US" altLang="zh-CN" sz="4400" dirty="0" smtClean="0"/>
+              <a:rPr lang="en-US" altLang="zh-CN" sz="3600" dirty="0" smtClean="0"/>
               <a:t>Discovery of adjacent systems</a:t>
             </a:r>
-            <a:endParaRPr lang="zh-CN" altLang="en-US" sz="4400" dirty="0"/>
+            <a:endParaRPr lang="zh-CN" altLang="en-US" sz="3600" dirty="0"/>
           </a:p>
         </p:txBody>
       </p:sp>
@@ -4402,7 +4424,7 @@
           <a:p>
             <a:fld id="{924EBFF4-1905-4D6F-80C8-EED02DC427C5}" type="datetime1">
               <a:rPr lang="zh-CN" altLang="en-US" smtClean="0"/>
-              <a:t>2020/4/3</a:t>
+              <a:t>2020/4/6</a:t>
             </a:fld>
             <a:endParaRPr lang="zh-CN" altLang="en-US" dirty="0"/>
           </a:p>
@@ -5282,8 +5304,20 @@
               <a:t>But </a:t>
             </a:r>
             <a:r>
+              <a:rPr lang="en-CA" altLang="zh-CN" dirty="0" smtClean="0"/>
+              <a:t>this </a:t>
+            </a:r>
+            <a:r>
               <a:rPr lang="en-CA" altLang="zh-CN" dirty="0"/>
-              <a:t>it is Campus L2 </a:t>
+              <a:t>is </a:t>
+            </a:r>
+            <a:r>
+              <a:rPr lang="en-CA" altLang="zh-CN" dirty="0" smtClean="0"/>
+              <a:t>in Campus </a:t>
+            </a:r>
+            <a:r>
+              <a:rPr lang="en-CA" altLang="zh-CN" dirty="0"/>
+              <a:t>L2 </a:t>
             </a:r>
             <a:r>
               <a:rPr lang="en-CA" altLang="zh-CN" dirty="0" smtClean="0"/>
@@ -5392,7 +5426,7 @@
         <p:spPr>
           <a:xfrm>
             <a:off x="330740" y="369647"/>
-            <a:ext cx="11459183" cy="769441"/>
+            <a:ext cx="11459183" cy="646331"/>
           </a:xfrm>
           <a:prstGeom prst="rect">
             <a:avLst/>
@@ -5406,10 +5440,10 @@
           <a:lstStyle/>
           <a:p>
             <a:r>
-              <a:rPr lang="en-US" altLang="zh-CN" sz="4400" dirty="0" smtClean="0"/>
+              <a:rPr lang="en-US" altLang="zh-CN" sz="3600" dirty="0" smtClean="0"/>
               <a:t>Bootstrap Interlocking Problem</a:t>
             </a:r>
-            <a:endParaRPr lang="zh-CN" altLang="en-US" sz="4400" dirty="0"/>
+            <a:endParaRPr lang="zh-CN" altLang="en-US" sz="3600" dirty="0"/>
           </a:p>
         </p:txBody>
       </p:sp>
@@ -5430,7 +5464,7 @@
           <a:p>
             <a:fld id="{924EBFF4-1905-4D6F-80C8-EED02DC427C5}" type="datetime1">
               <a:rPr lang="zh-CN" altLang="en-US" smtClean="0"/>
-              <a:t>2020/4/3</a:t>
+              <a:t>2020/4/6</a:t>
             </a:fld>
             <a:endParaRPr lang="zh-CN" altLang="en-US" dirty="0"/>
           </a:p>
@@ -5711,7 +5745,7 @@
         <p:spPr>
           <a:xfrm>
             <a:off x="330740" y="369647"/>
-            <a:ext cx="11459183" cy="769441"/>
+            <a:ext cx="11459183" cy="646331"/>
           </a:xfrm>
           <a:prstGeom prst="rect">
             <a:avLst/>
@@ -5725,10 +5759,10 @@
           <a:lstStyle/>
           <a:p>
             <a:r>
-              <a:rPr lang="en-US" altLang="zh-CN" sz="4400" dirty="0" smtClean="0"/>
+              <a:rPr lang="en-US" altLang="zh-CN" sz="3600" dirty="0" smtClean="0"/>
               <a:t>Proposed LLDP Solution </a:t>
             </a:r>
-            <a:endParaRPr lang="zh-CN" altLang="en-US" sz="4400" dirty="0"/>
+            <a:endParaRPr lang="zh-CN" altLang="en-US" sz="3600" dirty="0"/>
           </a:p>
         </p:txBody>
       </p:sp>
@@ -5749,7 +5783,7 @@
           <a:p>
             <a:fld id="{924EBFF4-1905-4D6F-80C8-EED02DC427C5}" type="datetime1">
               <a:rPr lang="zh-CN" altLang="en-US" smtClean="0"/>
-              <a:t>2020/4/3</a:t>
+              <a:t>2020/4/6</a:t>
             </a:fld>
             <a:endParaRPr lang="zh-CN" altLang="en-US" dirty="0"/>
           </a:p>
@@ -5917,7 +5951,7 @@
             </a:pPr>
             <a:r>
               <a:rPr lang="en-US" altLang="zh-CN" dirty="0" smtClean="0"/>
-              <a:t>About LLDP frames: </a:t>
+              <a:t>Process for LLDP frames: </a:t>
             </a:r>
           </a:p>
           <a:p>
@@ -6022,7 +6056,7 @@
         <p:spPr>
           <a:xfrm>
             <a:off x="330740" y="369647"/>
-            <a:ext cx="11459183" cy="769441"/>
+            <a:ext cx="11459183" cy="646331"/>
           </a:xfrm>
           <a:prstGeom prst="rect">
             <a:avLst/>
@@ -6036,10 +6070,10 @@
           <a:lstStyle/>
           <a:p>
             <a:r>
-              <a:rPr lang="en-US" altLang="zh-CN" sz="4400" dirty="0" smtClean="0"/>
-              <a:t>LLDP Protocol Encapsulation and issues </a:t>
-            </a:r>
-            <a:endParaRPr lang="zh-CN" altLang="en-US" sz="4400" dirty="0"/>
+              <a:rPr lang="en-US" altLang="zh-CN" sz="3600" dirty="0" smtClean="0"/>
+              <a:t>LLDP Encapsulation expecting your valuable suggestions</a:t>
+            </a:r>
+            <a:endParaRPr lang="zh-CN" altLang="en-US" sz="3600" dirty="0"/>
           </a:p>
         </p:txBody>
       </p:sp>
@@ -6060,7 +6094,7 @@
           <a:p>
             <a:fld id="{924EBFF4-1905-4D6F-80C8-EED02DC427C5}" type="datetime1">
               <a:rPr lang="zh-CN" altLang="en-US" smtClean="0"/>
-              <a:t>2020/4/3</a:t>
+              <a:t>2020/4/6</a:t>
             </a:fld>
             <a:endParaRPr lang="zh-CN" altLang="en-US" dirty="0"/>
           </a:p>
@@ -6315,7 +6349,7 @@
             </a:pPr>
             <a:r>
               <a:rPr lang="en-US" altLang="zh-CN" dirty="0" smtClean="0"/>
-              <a:t>About 507 octets limit of vendor-specific frame:</a:t>
+              <a:t>507 octets limit the vendor-specific frame:</a:t>
             </a:r>
             <a:r>
               <a:rPr lang="en-CA" altLang="zh-CN" dirty="0" smtClean="0"/>
@@ -6332,7 +6366,7 @@
             </a:pPr>
             <a:r>
               <a:rPr lang="en-US" altLang="zh-CN" sz="1400" dirty="0" smtClean="0"/>
-              <a:t>And the minimum MTU in IPv6 protocol : 1280</a:t>
+              <a:t>minimum MTU in IPv6 protocol standard : 1280</a:t>
             </a:r>
           </a:p>
           <a:p>
@@ -6365,7 +6399,11 @@
               <a:buChar char="•"/>
             </a:pPr>
             <a:r>
-              <a:rPr lang="en-US" altLang="zh-CN" dirty="0" smtClean="0"/>
+              <a:rPr lang="en-US" altLang="zh-CN" dirty="0" smtClean="0">
+                <a:solidFill>
+                  <a:srgbClr val="FF0000"/>
+                </a:solidFill>
+              </a:rPr>
               <a:t>Issue of Subtype TLV values: which better? </a:t>
             </a:r>
           </a:p>
@@ -6417,10 +6455,18 @@
               <a:buChar char="•"/>
             </a:pPr>
             <a:r>
-              <a:rPr lang="en-US" altLang="zh-CN" dirty="0" smtClean="0"/>
+              <a:rPr lang="en-US" altLang="zh-CN" dirty="0" smtClean="0">
+                <a:solidFill>
+                  <a:srgbClr val="FF0000"/>
+                </a:solidFill>
+              </a:rPr>
               <a:t>Issue of Content payload : which option? </a:t>
             </a:r>
-            <a:endParaRPr lang="en-US" altLang="zh-CN" dirty="0"/>
+            <a:endParaRPr lang="en-US" altLang="zh-CN" dirty="0">
+              <a:solidFill>
+                <a:srgbClr val="FF0000"/>
+              </a:solidFill>
+            </a:endParaRPr>
           </a:p>
           <a:p>
             <a:pPr marL="742950" lvl="1" indent="-285750">
@@ -6473,7 +6519,6 @@
               <a:rPr lang="en-US" altLang="zh-CN" sz="1400" dirty="0" smtClean="0"/>
               <a:t>Option-3: compressed packet, RFC8138 or others? </a:t>
             </a:r>
-            <a:endParaRPr lang="en-US" altLang="zh-CN" sz="1400" dirty="0"/>
           </a:p>
         </p:txBody>
       </p:sp>
@@ -6957,7 +7002,7 @@
           <a:p>
             <a:fld id="{F878D3BD-7334-4C0D-8D59-A5C2BADB1F71}" type="datetime1">
               <a:rPr lang="zh-CN" altLang="en-US" smtClean="0"/>
-              <a:t>2020/4/3</a:t>
+              <a:t>2020/4/6</a:t>
             </a:fld>
             <a:endParaRPr lang="zh-CN" altLang="en-US"/>
           </a:p>
